--- a/slides/ipc.pptx
+++ b/slides/ipc.pptx
@@ -4751,7 +4751,7 @@
         </p:spPr>
         <p:txBody>
           <a:bodyPr lIns="45699" tIns="45699" rIns="45699" bIns="45699">
-            <a:normAutofit fontScale="85000" lnSpcReduction="20000"/>
+            <a:normAutofit fontScale="77500" lnSpcReduction="20000"/>
           </a:bodyPr>
           <a:lstStyle/>
           <a:p>
@@ -4805,6 +4805,19 @@
               <a:buSzPct val="59375"/>
             </a:pPr>
             <a:r>
+              <a:rPr lang="en-US" dirty="0"/>
+              <a:t>Chapter 5 of OSTEP book</a:t>
+            </a:r>
+            <a:r>
+              <a:rPr lang="en-US" dirty="0" smtClean="0"/>
+              <a:t>.</a:t>
+            </a:r>
+          </a:p>
+          <a:p>
+            <a:pPr>
+              <a:buSzPct val="59375"/>
+            </a:pPr>
+            <a:r>
               <a:rPr lang="en-US" dirty="0" smtClean="0"/>
               <a:t>Unix </a:t>
             </a:r>
@@ -4832,25 +4845,27 @@
             </a:r>
             <a:r>
               <a:rPr lang="en-US" dirty="0" smtClean="0"/>
-              <a:t>Stevens http</a:t>
-            </a:r>
-            <a:r>
-              <a:rPr lang="en-US" dirty="0"/>
+              <a:t>Stevens </a:t>
+            </a:r>
+            <a:r>
+              <a:rPr lang="en-US" dirty="0" smtClean="0">
+                <a:hlinkClick r:id="rId3"/>
+              </a:rPr>
+              <a:t>http</a:t>
+            </a:r>
+            <a:r>
+              <a:rPr lang="en-US" dirty="0">
+                <a:hlinkClick r:id="rId3"/>
+              </a:rPr>
               <a:t>://</a:t>
             </a:r>
             <a:r>
-              <a:rPr lang="en-US" dirty="0" err="1"/>
-              <a:t>www.kohala.com</a:t>
-            </a:r>
-            <a:r>
-              <a:rPr lang="en-US" dirty="0"/>
-              <a:t>/start/</a:t>
-            </a:r>
-            <a:r>
-              <a:rPr lang="en-US" dirty="0" err="1"/>
-              <a:t>apue.html</a:t>
-            </a:r>
-            <a:endParaRPr lang="en-US" dirty="0"/>
+              <a:rPr lang="en-US" dirty="0" smtClean="0">
+                <a:hlinkClick r:id="rId3"/>
+              </a:rPr>
+              <a:t>www.kohala.com/start/apue.html</a:t>
+            </a:r>
+            <a:endParaRPr lang="en-US" dirty="0" smtClean="0"/>
           </a:p>
           <a:p>
             <a:pPr marL="0" indent="0">

--- a/slides/ipc.pptx
+++ b/slides/ipc.pptx
@@ -5916,7 +5916,7 @@
               <a:defRPr sz="2500"/>
             </a:pPr>
             <a:r>
-              <a:rPr b="1">
+              <a:rPr b="1" dirty="0">
                 <a:latin typeface="Comic Sans MS"/>
                 <a:ea typeface="Comic Sans MS"/>
                 <a:cs typeface="Comic Sans MS"/>
@@ -5930,8 +5930,22 @@
               <a:defRPr sz="2500"/>
             </a:pPr>
             <a:r>
-              <a:t>http://www.cs.binghamton.edu/~kartik/examples/pipe2.c</a:t>
-            </a:r>
+              <a:rPr lang="en-US" dirty="0"/>
+              <a:t>http://</a:t>
+            </a:r>
+            <a:r>
+              <a:rPr lang="en-US" dirty="0" err="1" smtClean="0"/>
+              <a:t>oscourse.github.io</a:t>
+            </a:r>
+            <a:r>
+              <a:rPr lang="en-US" dirty="0" smtClean="0"/>
+              <a:t>/</a:t>
+            </a:r>
+            <a:r>
+              <a:rPr dirty="0" smtClean="0"/>
+              <a:t>examples/pipe2.c</a:t>
+            </a:r>
+            <a:endParaRPr dirty="0"/>
           </a:p>
         </p:txBody>
       </p:sp>
@@ -5941,6 +5955,13 @@
     <a:masterClrMapping/>
   </p:clrMapOvr>
   <p:transition spd="med"/>
+  <p:timing>
+    <p:tnLst>
+      <p:par>
+        <p:cTn id="1" dur="indefinite" restart="never" nodeType="tmRoot"/>
+      </p:par>
+    </p:tnLst>
+  </p:timing>
 </p:sld>
 </file>
 
@@ -10113,7 +10134,7 @@
               <a:buNone/>
               <a:defRPr sz="2944"/>
             </a:pPr>
-            <a:endParaRPr/>
+            <a:endParaRPr dirty="0"/>
           </a:p>
           <a:p>
             <a:pPr marL="0" indent="0" defTabSz="841247">
@@ -10125,7 +10146,7 @@
               <a:defRPr sz="2944"/>
             </a:pPr>
             <a:r>
-              <a:rPr sz="1840" b="1">
+              <a:rPr sz="1840" b="1" dirty="0">
                 <a:latin typeface="Courier New"/>
                 <a:ea typeface="Courier New"/>
                 <a:cs typeface="Courier New"/>
@@ -10134,7 +10155,7 @@
               <a:t>int </a:t>
             </a:r>
             <a:r>
-              <a:rPr sz="1840" b="1">
+              <a:rPr sz="1840" b="1" dirty="0">
                 <a:solidFill>
                   <a:srgbClr val="FF0000"/>
                 </a:solidFill>
@@ -10146,7 +10167,7 @@
               <a:t>shmget</a:t>
             </a:r>
             <a:r>
-              <a:rPr sz="1840" b="1">
+              <a:rPr sz="1840" b="1" dirty="0">
                 <a:latin typeface="Courier New"/>
                 <a:ea typeface="Courier New"/>
                 <a:cs typeface="Courier New"/>
@@ -10155,7 +10176,7 @@
               <a:t>(key_t </a:t>
             </a:r>
             <a:r>
-              <a:rPr sz="1840" b="1" i="1">
+              <a:rPr sz="1840" b="1" i="1" dirty="0">
                 <a:latin typeface="Courier New"/>
                 <a:ea typeface="Courier New"/>
                 <a:cs typeface="Courier New"/>
@@ -10164,7 +10185,7 @@
               <a:t>key</a:t>
             </a:r>
             <a:r>
-              <a:rPr sz="1840" b="1">
+              <a:rPr sz="1840" b="1" dirty="0">
                 <a:latin typeface="Courier New"/>
                 <a:ea typeface="Courier New"/>
                 <a:cs typeface="Courier New"/>
@@ -10173,7 +10194,7 @@
               <a:t>, size_t </a:t>
             </a:r>
             <a:r>
-              <a:rPr sz="1840" b="1" i="1">
+              <a:rPr sz="1840" b="1" i="1" dirty="0">
                 <a:latin typeface="Courier New"/>
                 <a:ea typeface="Courier New"/>
                 <a:cs typeface="Courier New"/>
@@ -10182,7 +10203,7 @@
               <a:t>size</a:t>
             </a:r>
             <a:r>
-              <a:rPr sz="1840" b="1">
+              <a:rPr sz="1840" b="1" dirty="0">
                 <a:latin typeface="Courier New"/>
                 <a:ea typeface="Courier New"/>
                 <a:cs typeface="Courier New"/>
@@ -10191,7 +10212,7 @@
               <a:t>, int </a:t>
             </a:r>
             <a:r>
-              <a:rPr sz="1840" b="1" i="1">
+              <a:rPr sz="1840" b="1" i="1" dirty="0">
                 <a:latin typeface="Courier New"/>
                 <a:ea typeface="Courier New"/>
                 <a:cs typeface="Courier New"/>
@@ -10200,7 +10221,7 @@
               <a:t>shmflg</a:t>
             </a:r>
             <a:r>
-              <a:rPr sz="1840" b="1">
+              <a:rPr sz="1840" b="1" dirty="0">
                 <a:latin typeface="Courier New"/>
                 <a:ea typeface="Courier New"/>
                 <a:cs typeface="Courier New"/>
@@ -10218,7 +10239,7 @@
               <a:buNone/>
               <a:defRPr sz="2944"/>
             </a:pPr>
-            <a:endParaRPr sz="1840" b="1">
+            <a:endParaRPr sz="1840" b="1" dirty="0">
               <a:latin typeface="Courier New"/>
               <a:ea typeface="Courier New"/>
               <a:cs typeface="Courier New"/>
@@ -10235,7 +10256,7 @@
               <a:defRPr sz="2944"/>
             </a:pPr>
             <a:r>
-              <a:rPr sz="1840" b="1">
+              <a:rPr sz="1840" b="1" dirty="0">
                 <a:latin typeface="Courier New"/>
                 <a:ea typeface="Courier New"/>
                 <a:cs typeface="Courier New"/>
@@ -10259,7 +10280,7 @@
               </a:defRPr>
             </a:pPr>
             <a:r>
-              <a:rPr sz="1656" b="1">
+              <a:rPr sz="1656" b="1" dirty="0">
                 <a:latin typeface="Courier New"/>
                 <a:ea typeface="Courier New"/>
                 <a:cs typeface="Courier New"/>
@@ -10283,7 +10304,7 @@
               </a:defRPr>
             </a:pPr>
             <a:r>
-              <a:rPr sz="1656" b="1">
+              <a:rPr sz="1656" b="1" dirty="0">
                 <a:latin typeface="Courier New"/>
                 <a:ea typeface="Courier New"/>
                 <a:cs typeface="Courier New"/>
@@ -10301,7 +10322,7 @@
               <a:buNone/>
               <a:defRPr sz="2944"/>
             </a:pPr>
-            <a:endParaRPr sz="2576">
+            <a:endParaRPr sz="2576" dirty="0">
               <a:latin typeface="Arial"/>
               <a:ea typeface="Arial"/>
               <a:cs typeface="Arial"/>
@@ -10323,7 +10344,7 @@
               </a:defRPr>
             </a:pPr>
             <a:r>
-              <a:rPr sz="1656" b="1">
+              <a:rPr sz="1656" b="1" dirty="0">
                 <a:latin typeface="Courier New"/>
                 <a:ea typeface="Courier New"/>
                 <a:cs typeface="Courier New"/>
@@ -10332,7 +10353,7 @@
               <a:t>key = </a:t>
             </a:r>
             <a:r>
-              <a:rPr sz="1656" b="1">
+              <a:rPr sz="1656" b="1" dirty="0">
                 <a:solidFill>
                   <a:srgbClr val="FF0000"/>
                 </a:solidFill>
@@ -10344,7 +10365,7 @@
               <a:t>ftok</a:t>
             </a:r>
             <a:r>
-              <a:rPr sz="1656" b="1">
+              <a:rPr sz="1656" b="1" dirty="0">
                 <a:latin typeface="Courier New"/>
                 <a:ea typeface="Courier New"/>
                 <a:cs typeface="Courier New"/>
@@ -10353,7 +10374,7 @@
               <a:t>(“&lt;somefile&gt;", </a:t>
             </a:r>
             <a:r>
-              <a:rPr sz="1656" b="1">
+              <a:rPr sz="1656" b="1" dirty="0">
                 <a:solidFill>
                   <a:srgbClr val="FF0000"/>
                 </a:solidFill>
@@ -10365,7 +10386,7 @@
               <a:t>‘A’</a:t>
             </a:r>
             <a:r>
-              <a:rPr sz="1656" b="1">
+              <a:rPr sz="1656" b="1" dirty="0">
                 <a:latin typeface="Courier New"/>
                 <a:ea typeface="Courier New"/>
                 <a:cs typeface="Courier New"/>
@@ -10383,7 +10404,7 @@
               <a:buNone/>
               <a:defRPr sz="2944"/>
             </a:pPr>
-            <a:endParaRPr sz="2576">
+            <a:endParaRPr sz="2576" dirty="0">
               <a:latin typeface="Arial"/>
               <a:ea typeface="Arial"/>
               <a:cs typeface="Arial"/>
@@ -10405,7 +10426,7 @@
               </a:defRPr>
             </a:pPr>
             <a:r>
-              <a:rPr sz="1656" b="1">
+              <a:rPr sz="1656" b="1" dirty="0">
                 <a:latin typeface="Courier New"/>
                 <a:ea typeface="Courier New"/>
                 <a:cs typeface="Courier New"/>
@@ -10414,7 +10435,7 @@
               <a:t>shmid = </a:t>
             </a:r>
             <a:r>
-              <a:rPr sz="1656" b="1">
+              <a:rPr sz="1656" b="1" dirty="0">
                 <a:solidFill>
                   <a:srgbClr val="FF0000"/>
                 </a:solidFill>
@@ -10426,7 +10447,7 @@
               <a:t>shmget</a:t>
             </a:r>
             <a:r>
-              <a:rPr sz="1656" b="1">
+              <a:rPr sz="1656" b="1" dirty="0">
                 <a:latin typeface="Courier New"/>
                 <a:ea typeface="Courier New"/>
                 <a:cs typeface="Courier New"/>
@@ -10435,11 +10456,11 @@
               <a:t>(key, 1024, 0644 | IPC_CREAT);</a:t>
             </a:r>
             <a:r>
-              <a:rPr sz="1656" b="1"/>
+              <a:rPr sz="1656" b="1" dirty="0"/>
               <a:t> </a:t>
             </a:r>
             <a:r>
-              <a:rPr sz="1656" b="1">
+              <a:rPr sz="1656" b="1" dirty="0">
                 <a:latin typeface="Courier New"/>
                 <a:ea typeface="Courier New"/>
                 <a:cs typeface="Courier New"/>
@@ -10457,7 +10478,7 @@
               <a:buNone/>
               <a:defRPr sz="2944"/>
             </a:pPr>
-            <a:endParaRPr sz="2576">
+            <a:endParaRPr sz="2576" dirty="0">
               <a:latin typeface="Arial"/>
               <a:ea typeface="Arial"/>
               <a:cs typeface="Arial"/>
@@ -10474,7 +10495,7 @@
               <a:defRPr sz="2944"/>
             </a:pPr>
             <a:r>
-              <a:rPr sz="2208"/>
+              <a:rPr sz="2208" dirty="0"/>
               <a:t>Here’s an example.</a:t>
             </a:r>
           </a:p>
@@ -10488,9 +10509,26 @@
               <a:defRPr sz="2944"/>
             </a:pPr>
             <a:r>
-              <a:t>http://www.cs.binghamton.edu/~kartik/examples/shm_create.c</a:t>
-            </a:r>
-            <a:endParaRPr sz="1656"/>
+              <a:rPr lang="en-US" dirty="0"/>
+              <a:t>http://</a:t>
+            </a:r>
+            <a:r>
+              <a:rPr lang="en-US" dirty="0" err="1" smtClean="0"/>
+              <a:t>oscourse.github.io</a:t>
+            </a:r>
+            <a:r>
+              <a:rPr lang="en-US" dirty="0" smtClean="0"/>
+              <a:t>/</a:t>
+            </a:r>
+            <a:r>
+              <a:rPr dirty="0" smtClean="0"/>
+              <a:t>examples/</a:t>
+            </a:r>
+            <a:r>
+              <a:rPr dirty="0" err="1" smtClean="0"/>
+              <a:t>shm_create.c</a:t>
+            </a:r>
+            <a:endParaRPr sz="1656" dirty="0"/>
           </a:p>
         </p:txBody>
       </p:sp>
@@ -10500,6 +10538,13 @@
     <a:masterClrMapping/>
   </p:clrMapOvr>
   <p:transition spd="med"/>
+  <p:timing>
+    <p:tnLst>
+      <p:par>
+        <p:cTn id="1" dur="indefinite" restart="never" nodeType="tmRoot"/>
+      </p:par>
+    </p:tnLst>
+  </p:timing>
 </p:sld>
 </file>
 
@@ -10596,7 +10641,7 @@
               <a:defRPr sz="3040"/>
             </a:pPr>
             <a:r>
-              <a:rPr sz="1710" b="1">
+              <a:rPr sz="1710" b="1" dirty="0">
                 <a:latin typeface="Courier New"/>
                 <a:ea typeface="Courier New"/>
                 <a:cs typeface="Courier New"/>
@@ -10605,7 +10650,7 @@
               <a:t>void *</a:t>
             </a:r>
             <a:r>
-              <a:rPr sz="1710" b="1">
+              <a:rPr sz="1710" b="1" dirty="0">
                 <a:solidFill>
                   <a:srgbClr val="FF0000"/>
                 </a:solidFill>
@@ -10617,7 +10662,7 @@
               <a:t>shmat</a:t>
             </a:r>
             <a:r>
-              <a:rPr sz="1710" b="1">
+              <a:rPr sz="1710" b="1" dirty="0">
                 <a:latin typeface="Courier New"/>
                 <a:ea typeface="Courier New"/>
                 <a:cs typeface="Courier New"/>
@@ -10626,7 +10671,7 @@
               <a:t>(int </a:t>
             </a:r>
             <a:r>
-              <a:rPr sz="1710" b="1" i="1">
+              <a:rPr sz="1710" b="1" i="1" dirty="0">
                 <a:latin typeface="Courier New"/>
                 <a:ea typeface="Courier New"/>
                 <a:cs typeface="Courier New"/>
@@ -10635,7 +10680,7 @@
               <a:t>shmid</a:t>
             </a:r>
             <a:r>
-              <a:rPr sz="1710" b="1">
+              <a:rPr sz="1710" b="1" dirty="0">
                 <a:latin typeface="Courier New"/>
                 <a:ea typeface="Courier New"/>
                 <a:cs typeface="Courier New"/>
@@ -10644,7 +10689,7 @@
               <a:t>, void *</a:t>
             </a:r>
             <a:r>
-              <a:rPr sz="1710" b="1" i="1">
+              <a:rPr sz="1710" b="1" i="1" dirty="0">
                 <a:latin typeface="Courier New"/>
                 <a:ea typeface="Courier New"/>
                 <a:cs typeface="Courier New"/>
@@ -10653,7 +10698,7 @@
               <a:t>shmaddr</a:t>
             </a:r>
             <a:r>
-              <a:rPr sz="1710" b="1">
+              <a:rPr sz="1710" b="1" dirty="0">
                 <a:latin typeface="Courier New"/>
                 <a:ea typeface="Courier New"/>
                 <a:cs typeface="Courier New"/>
@@ -10662,7 +10707,7 @@
               <a:t>, int </a:t>
             </a:r>
             <a:r>
-              <a:rPr sz="1710" b="1" i="1">
+              <a:rPr sz="1710" b="1" i="1" dirty="0">
                 <a:latin typeface="Courier New"/>
                 <a:ea typeface="Courier New"/>
                 <a:cs typeface="Courier New"/>
@@ -10671,7 +10716,7 @@
               <a:t>shmflg</a:t>
             </a:r>
             <a:r>
-              <a:rPr sz="1710" b="1">
+              <a:rPr sz="1710" b="1" dirty="0">
                 <a:latin typeface="Courier New"/>
                 <a:ea typeface="Courier New"/>
                 <a:cs typeface="Courier New"/>
@@ -10693,7 +10738,7 @@
               <a:defRPr sz="3040"/>
             </a:pPr>
             <a:r>
-              <a:rPr sz="1710" b="1">
+              <a:rPr sz="1710" b="1" dirty="0">
                 <a:latin typeface="Courier New"/>
                 <a:ea typeface="Courier New"/>
                 <a:cs typeface="Courier New"/>
@@ -10702,7 +10747,7 @@
               <a:t>int </a:t>
             </a:r>
             <a:r>
-              <a:rPr sz="1710" b="1">
+              <a:rPr sz="1710" b="1" dirty="0">
                 <a:solidFill>
                   <a:srgbClr val="FF0000"/>
                 </a:solidFill>
@@ -10714,7 +10759,7 @@
               <a:t>shmdt</a:t>
             </a:r>
             <a:r>
-              <a:rPr sz="1710" b="1">
+              <a:rPr sz="1710" b="1" dirty="0">
                 <a:latin typeface="Courier New"/>
                 <a:ea typeface="Courier New"/>
                 <a:cs typeface="Courier New"/>
@@ -10723,7 +10768,7 @@
               <a:t>(void *</a:t>
             </a:r>
             <a:r>
-              <a:rPr sz="1710" b="1" i="1">
+              <a:rPr sz="1710" b="1" i="1" dirty="0">
                 <a:latin typeface="Courier New"/>
                 <a:ea typeface="Courier New"/>
                 <a:cs typeface="Courier New"/>
@@ -10732,7 +10777,7 @@
               <a:t>shmaddr</a:t>
             </a:r>
             <a:r>
-              <a:rPr sz="1710" b="1">
+              <a:rPr sz="1710" b="1" dirty="0">
                 <a:latin typeface="Courier New"/>
                 <a:ea typeface="Courier New"/>
                 <a:cs typeface="Courier New"/>
@@ -10750,7 +10795,7 @@
               <a:buNone/>
               <a:defRPr sz="3040"/>
             </a:pPr>
-            <a:endParaRPr sz="1710" b="1">
+            <a:endParaRPr sz="1710" b="1" dirty="0">
               <a:latin typeface="Courier New"/>
               <a:ea typeface="Courier New"/>
               <a:cs typeface="Courier New"/>
@@ -10775,7 +10820,7 @@
               </a:defRPr>
             </a:pPr>
             <a:r>
-              <a:rPr sz="1900" b="1">
+              <a:rPr sz="1900" b="1" dirty="0">
                 <a:latin typeface="Courier New"/>
                 <a:ea typeface="Courier New"/>
                 <a:cs typeface="Courier New"/>
@@ -10802,7 +10847,7 @@
               </a:defRPr>
             </a:pPr>
             <a:r>
-              <a:rPr sz="1710" b="1">
+              <a:rPr sz="1710" b="1" dirty="0">
                 <a:latin typeface="Courier New"/>
                 <a:ea typeface="Courier New"/>
                 <a:cs typeface="Courier New"/>
@@ -10829,7 +10874,7 @@
               </a:defRPr>
             </a:pPr>
             <a:r>
-              <a:rPr sz="1710" b="1">
+              <a:rPr sz="1710" b="1" dirty="0">
                 <a:latin typeface="Courier New"/>
                 <a:ea typeface="Courier New"/>
                 <a:cs typeface="Courier New"/>
@@ -10856,7 +10901,7 @@
               </a:defRPr>
             </a:pPr>
             <a:r>
-              <a:rPr sz="1710" b="1">
+              <a:rPr sz="1710" b="1" dirty="0">
                 <a:latin typeface="Courier New"/>
                 <a:ea typeface="Courier New"/>
                 <a:cs typeface="Courier New"/>
@@ -10883,7 +10928,7 @@
               </a:defRPr>
             </a:pPr>
             <a:r>
-              <a:rPr sz="1710" b="1">
+              <a:rPr sz="1710" b="1" dirty="0">
                 <a:latin typeface="Courier New"/>
                 <a:ea typeface="Courier New"/>
                 <a:cs typeface="Courier New"/>
@@ -10892,7 +10937,7 @@
               <a:t>key = </a:t>
             </a:r>
             <a:r>
-              <a:rPr sz="1710" b="1">
+              <a:rPr sz="1710" b="1" dirty="0">
                 <a:solidFill>
                   <a:srgbClr val="FF0000"/>
                 </a:solidFill>
@@ -10904,7 +10949,7 @@
               <a:t>ftok</a:t>
             </a:r>
             <a:r>
-              <a:rPr sz="1710" b="1">
+              <a:rPr sz="1710" b="1" dirty="0">
                 <a:latin typeface="Courier New"/>
                 <a:ea typeface="Courier New"/>
                 <a:cs typeface="Courier New"/>
@@ -10913,7 +10958,7 @@
               <a:t>("</a:t>
             </a:r>
             <a:r>
-              <a:rPr sz="1520" b="1">
+              <a:rPr sz="1520" b="1" dirty="0">
                 <a:latin typeface="Courier New"/>
                 <a:ea typeface="Courier New"/>
                 <a:cs typeface="Courier New"/>
@@ -10922,7 +10967,7 @@
               <a:t>&lt;somefile&gt;</a:t>
             </a:r>
             <a:r>
-              <a:rPr sz="1710" b="1">
+              <a:rPr sz="1710" b="1" dirty="0">
                 <a:latin typeface="Courier New"/>
                 <a:ea typeface="Courier New"/>
                 <a:cs typeface="Courier New"/>
@@ -10931,7 +10976,7 @@
               <a:t>", </a:t>
             </a:r>
             <a:r>
-              <a:rPr sz="1710" b="1">
+              <a:rPr sz="1710" b="1" dirty="0">
                 <a:solidFill>
                   <a:srgbClr val="FF0000"/>
                 </a:solidFill>
@@ -10943,7 +10988,7 @@
               <a:t>‘A'</a:t>
             </a:r>
             <a:r>
-              <a:rPr sz="1710" b="1">
+              <a:rPr sz="1710" b="1" dirty="0">
                 <a:latin typeface="Courier New"/>
                 <a:ea typeface="Courier New"/>
                 <a:cs typeface="Courier New"/>
@@ -10970,7 +11015,7 @@
               </a:defRPr>
             </a:pPr>
             <a:r>
-              <a:rPr sz="1710" b="1">
+              <a:rPr sz="1710" b="1" dirty="0">
                 <a:latin typeface="Courier New"/>
                 <a:ea typeface="Courier New"/>
                 <a:cs typeface="Courier New"/>
@@ -10979,7 +11024,7 @@
               <a:t>shmid = </a:t>
             </a:r>
             <a:r>
-              <a:rPr sz="1710" b="1">
+              <a:rPr sz="1710" b="1" dirty="0">
                 <a:solidFill>
                   <a:srgbClr val="FF0000"/>
                 </a:solidFill>
@@ -10991,7 +11036,7 @@
               <a:t>shmget</a:t>
             </a:r>
             <a:r>
-              <a:rPr sz="1710" b="1">
+              <a:rPr sz="1710" b="1" dirty="0">
                 <a:latin typeface="Courier New"/>
                 <a:ea typeface="Courier New"/>
                 <a:cs typeface="Courier New"/>
@@ -11018,7 +11063,7 @@
               </a:defRPr>
             </a:pPr>
             <a:r>
-              <a:rPr sz="1710" b="1">
+              <a:rPr sz="1710" b="1" dirty="0">
                 <a:latin typeface="Courier New"/>
                 <a:ea typeface="Courier New"/>
                 <a:cs typeface="Courier New"/>
@@ -11027,7 +11072,7 @@
               <a:t>data = </a:t>
             </a:r>
             <a:r>
-              <a:rPr sz="1710" b="1">
+              <a:rPr sz="1710" b="1" dirty="0">
                 <a:solidFill>
                   <a:srgbClr val="FF0000"/>
                 </a:solidFill>
@@ -11039,7 +11084,7 @@
               <a:t>shmat</a:t>
             </a:r>
             <a:r>
-              <a:rPr sz="1710" b="1">
+              <a:rPr sz="1710" b="1" dirty="0">
                 <a:latin typeface="Courier New"/>
                 <a:ea typeface="Courier New"/>
                 <a:cs typeface="Courier New"/>
@@ -11066,7 +11111,7 @@
               </a:defRPr>
             </a:pPr>
             <a:r>
-              <a:rPr sz="1710" b="1">
+              <a:rPr sz="1710" b="1" dirty="0">
                 <a:latin typeface="Courier New"/>
                 <a:ea typeface="Courier New"/>
                 <a:cs typeface="Courier New"/>
@@ -11093,7 +11138,7 @@
               </a:defRPr>
             </a:pPr>
             <a:r>
-              <a:rPr sz="1710" b="1">
+              <a:rPr sz="1710" b="1" dirty="0">
                 <a:solidFill>
                   <a:srgbClr val="FF0000"/>
                 </a:solidFill>
@@ -11105,7 +11150,7 @@
               <a:t>shmdt</a:t>
             </a:r>
             <a:r>
-              <a:rPr sz="1710" b="1">
+              <a:rPr sz="1710" b="1" dirty="0">
                 <a:latin typeface="Courier New"/>
                 <a:ea typeface="Courier New"/>
                 <a:cs typeface="Courier New"/>
@@ -11132,7 +11177,7 @@
               </a:defRPr>
             </a:pPr>
             <a:r>
-              <a:rPr sz="2280">
+              <a:rPr sz="2280" dirty="0">
                 <a:latin typeface="Comic Sans MS"/>
                 <a:ea typeface="Comic Sans MS"/>
                 <a:cs typeface="Comic Sans MS"/>
@@ -11141,7 +11186,7 @@
               <a:t>Here’s an </a:t>
             </a:r>
             <a:r>
-              <a:rPr sz="2280"/>
+              <a:rPr sz="2280" dirty="0"/>
               <a:t>example.</a:t>
             </a:r>
           </a:p>
@@ -11163,9 +11208,26 @@
               </a:defRPr>
             </a:pPr>
             <a:r>
-              <a:t>http://www.cs.binghamton.edu/~kartik/examples/shm_attach.c</a:t>
-            </a:r>
-            <a:endParaRPr sz="1710"/>
+              <a:rPr lang="en-US" dirty="0"/>
+              <a:t>http://</a:t>
+            </a:r>
+            <a:r>
+              <a:rPr lang="en-US" dirty="0" err="1" smtClean="0"/>
+              <a:t>oscourse.github.io</a:t>
+            </a:r>
+            <a:r>
+              <a:rPr lang="en-US" dirty="0" smtClean="0"/>
+              <a:t>/</a:t>
+            </a:r>
+            <a:r>
+              <a:rPr dirty="0" smtClean="0"/>
+              <a:t>examples/</a:t>
+            </a:r>
+            <a:r>
+              <a:rPr dirty="0" err="1" smtClean="0"/>
+              <a:t>shm_attach.c</a:t>
+            </a:r>
+            <a:endParaRPr sz="1710" dirty="0"/>
           </a:p>
         </p:txBody>
       </p:sp>
@@ -11175,6 +11237,13 @@
     <a:masterClrMapping/>
   </p:clrMapOvr>
   <p:transition spd="med"/>
+  <p:timing>
+    <p:tnLst>
+      <p:par>
+        <p:cTn id="1" dur="indefinite" restart="never" nodeType="tmRoot"/>
+      </p:par>
+    </p:tnLst>
+  </p:timing>
 </p:sld>
 </file>
 
@@ -11267,7 +11336,7 @@
               <a:buNone/>
             </a:pPr>
             <a:r>
-              <a:rPr sz="2000" b="1">
+              <a:rPr sz="2000" b="1" dirty="0">
                 <a:latin typeface="Courier New"/>
                 <a:ea typeface="Courier New"/>
                 <a:cs typeface="Courier New"/>
@@ -11276,7 +11345,7 @@
               <a:t>int </a:t>
             </a:r>
             <a:r>
-              <a:rPr sz="2000" b="1">
+              <a:rPr sz="2000" b="1" dirty="0">
                 <a:solidFill>
                   <a:srgbClr val="333399"/>
                 </a:solidFill>
@@ -11288,7 +11357,7 @@
               <a:t>shmctl</a:t>
             </a:r>
             <a:r>
-              <a:rPr sz="2000" b="1">
+              <a:rPr sz="2000" b="1" dirty="0">
                 <a:latin typeface="Courier New"/>
                 <a:ea typeface="Courier New"/>
                 <a:cs typeface="Courier New"/>
@@ -11302,7 +11371,7 @@
               <a:buSzTx/>
               <a:buNone/>
             </a:pPr>
-            <a:endParaRPr sz="2000" b="1">
+            <a:endParaRPr sz="2000" b="1" dirty="0">
               <a:latin typeface="Courier New"/>
               <a:ea typeface="Courier New"/>
               <a:cs typeface="Courier New"/>
@@ -11314,7 +11383,7 @@
               <a:buSzTx/>
               <a:buNone/>
             </a:pPr>
-            <a:endParaRPr sz="2000" b="1">
+            <a:endParaRPr sz="2000" b="1" dirty="0">
               <a:latin typeface="Courier New"/>
               <a:ea typeface="Courier New"/>
               <a:cs typeface="Courier New"/>
@@ -11336,7 +11405,7 @@
               </a:defRPr>
             </a:pPr>
             <a:r>
-              <a:rPr sz="2000" b="1">
+              <a:rPr sz="2000" b="1" dirty="0">
                 <a:solidFill>
                   <a:srgbClr val="333399"/>
                 </a:solidFill>
@@ -11348,7 +11417,7 @@
               <a:t>shmctl</a:t>
             </a:r>
             <a:r>
-              <a:rPr sz="2000" b="1">
+              <a:rPr sz="2000" b="1" dirty="0">
                 <a:latin typeface="Courier New"/>
                 <a:ea typeface="Courier New"/>
                 <a:cs typeface="Courier New"/>
@@ -11357,7 +11426,7 @@
               <a:t>(shmid, IPC_RMID, NULL);</a:t>
             </a:r>
             <a:r>
-              <a:rPr sz="2000">
+              <a:rPr sz="2000" dirty="0">
                 <a:latin typeface="Courier New"/>
                 <a:ea typeface="Courier New"/>
                 <a:cs typeface="Courier New"/>
@@ -11371,7 +11440,7 @@
               <a:buSzTx/>
               <a:buNone/>
             </a:pPr>
-            <a:endParaRPr sz="2800">
+            <a:endParaRPr sz="2800" dirty="0">
               <a:latin typeface="Arial"/>
               <a:ea typeface="Arial"/>
               <a:cs typeface="Arial"/>
@@ -11393,7 +11462,7 @@
               </a:defRPr>
             </a:pPr>
             <a:r>
-              <a:rPr b="1"/>
+              <a:rPr b="1" dirty="0"/>
               <a:t>Example:</a:t>
             </a:r>
           </a:p>
@@ -11412,9 +11481,26 @@
               </a:defRPr>
             </a:pPr>
             <a:r>
-              <a:t>http://www.cs.binghamton.edu/~kartik/examples/shm_delete.c</a:t>
-            </a:r>
-            <a:endParaRPr sz="1800"/>
+              <a:rPr lang="en-US" dirty="0"/>
+              <a:t>http://</a:t>
+            </a:r>
+            <a:r>
+              <a:rPr lang="en-US" dirty="0" err="1" smtClean="0"/>
+              <a:t>oscourse.github.io</a:t>
+            </a:r>
+            <a:r>
+              <a:rPr lang="en-US" dirty="0" smtClean="0"/>
+              <a:t>/</a:t>
+            </a:r>
+            <a:r>
+              <a:rPr dirty="0" smtClean="0"/>
+              <a:t>examples/</a:t>
+            </a:r>
+            <a:r>
+              <a:rPr dirty="0" err="1" smtClean="0"/>
+              <a:t>shm_delete.c</a:t>
+            </a:r>
+            <a:endParaRPr sz="1800" dirty="0"/>
           </a:p>
           <a:p>
             <a:pPr marL="285750" lvl="1" indent="171450">
@@ -11431,6 +11517,7 @@
               </a:defRPr>
             </a:pPr>
             <a:r>
+              <a:rPr dirty="0"/>
               <a:t> </a:t>
             </a:r>
           </a:p>
@@ -11442,6 +11529,13 @@
     <a:masterClrMapping/>
   </p:clrMapOvr>
   <p:transition spd="med"/>
+  <p:timing>
+    <p:tnLst>
+      <p:par>
+        <p:cTn id="1" dur="indefinite" restart="never" nodeType="tmRoot"/>
+      </p:par>
+    </p:tnLst>
+  </p:timing>
 </p:sld>
 </file>
 
@@ -11762,6 +11856,13 @@
     <a:masterClrMapping/>
   </p:clrMapOvr>
   <p:transition spd="med"/>
+  <p:timing>
+    <p:tnLst>
+      <p:par>
+        <p:cTn id="1" dur="indefinite" restart="never" nodeType="tmRoot"/>
+      </p:par>
+    </p:tnLst>
+  </p:timing>
 </p:sld>
 </file>
 
@@ -12372,11 +12473,11 @@
               <a:buSzPct val="60416"/>
             </a:pPr>
             <a:r>
-              <a:rPr sz="2400"/>
+              <a:rPr sz="2400" dirty="0"/>
               <a:t>Signals can be </a:t>
             </a:r>
             <a:r>
-              <a:rPr sz="2400">
+              <a:rPr sz="2400" dirty="0">
                 <a:solidFill>
                   <a:srgbClr val="0000FF"/>
                 </a:solidFill>
@@ -12384,11 +12485,11 @@
               <a:t>caught</a:t>
             </a:r>
             <a:r>
-              <a:rPr sz="2400"/>
+              <a:rPr sz="2400" dirty="0"/>
               <a:t> – i.e. an </a:t>
             </a:r>
             <a:r>
-              <a:rPr sz="2400">
+              <a:rPr sz="2400" dirty="0">
                 <a:solidFill>
                   <a:srgbClr val="0000FF"/>
                 </a:solidFill>
@@ -12396,7 +12497,7 @@
               <a:t>action </a:t>
             </a:r>
             <a:r>
-              <a:rPr sz="2400"/>
+              <a:rPr sz="2400" dirty="0"/>
               <a:t>can be associated with them</a:t>
             </a:r>
           </a:p>
@@ -12417,7 +12518,7 @@
               </a:defRPr>
             </a:pPr>
             <a:r>
-              <a:rPr sz="2000">
+              <a:rPr sz="2000" dirty="0">
                 <a:latin typeface="Comic Sans MS"/>
                 <a:ea typeface="Comic Sans MS"/>
                 <a:cs typeface="Comic Sans MS"/>
@@ -12431,7 +12532,7 @@
               <a:buSzTx/>
               <a:buNone/>
             </a:pPr>
-            <a:endParaRPr sz="1000"/>
+            <a:endParaRPr sz="1000" dirty="0"/>
           </a:p>
           <a:p>
             <a:pPr marL="0" indent="0">
@@ -12444,7 +12545,7 @@
               <a:buSzPct val="60416"/>
             </a:pPr>
             <a:r>
-              <a:rPr sz="2400"/>
+              <a:rPr sz="2400" dirty="0"/>
               <a:t>Actions to signals can be customized using </a:t>
             </a:r>
           </a:p>
@@ -12466,7 +12567,7 @@
               </a:defRPr>
             </a:pPr>
             <a:r>
-              <a:rPr sz="2000" b="1">
+              <a:rPr sz="2000" b="1" dirty="0">
                 <a:solidFill>
                   <a:srgbClr val="0000FF"/>
                 </a:solidFill>
@@ -12478,7 +12579,7 @@
               <a:t>sigaction</a:t>
             </a:r>
             <a:r>
-              <a:rPr sz="2000">
+              <a:rPr sz="2000" dirty="0">
                 <a:solidFill>
                   <a:srgbClr val="0000FF"/>
                 </a:solidFill>
@@ -12490,7 +12591,7 @@
               <a:t>(…)</a:t>
             </a:r>
             <a:r>
-              <a:rPr sz="2000" b="1">
+              <a:rPr sz="2000" b="1" dirty="0">
                 <a:solidFill>
                   <a:srgbClr val="0000FF"/>
                 </a:solidFill>
@@ -12520,7 +12621,7 @@
               </a:defRPr>
             </a:pPr>
             <a:r>
-              <a:rPr sz="2000">
+              <a:rPr sz="2000" dirty="0">
                 <a:latin typeface="Comic Sans MS"/>
                 <a:ea typeface="Comic Sans MS"/>
                 <a:cs typeface="Comic Sans MS"/>
@@ -12529,7 +12630,7 @@
               <a:t>which associates a </a:t>
             </a:r>
             <a:r>
-              <a:rPr sz="2000">
+              <a:rPr sz="2000" dirty="0">
                 <a:solidFill>
                   <a:srgbClr val="0000FF"/>
                 </a:solidFill>
@@ -12541,7 +12642,7 @@
               <a:t>signal handler</a:t>
             </a:r>
             <a:r>
-              <a:rPr sz="2000">
+              <a:rPr sz="2000" dirty="0">
                 <a:latin typeface="Comic Sans MS"/>
                 <a:ea typeface="Comic Sans MS"/>
                 <a:cs typeface="Comic Sans MS"/>
@@ -12555,7 +12656,7 @@
               <a:buSzTx/>
               <a:buNone/>
             </a:pPr>
-            <a:endParaRPr sz="900"/>
+            <a:endParaRPr sz="900" dirty="0"/>
           </a:p>
           <a:p>
             <a:pPr marL="0" indent="0">
@@ -12568,7 +12669,7 @@
               <a:buSzPct val="60416"/>
             </a:pPr>
             <a:r>
-              <a:rPr sz="2400"/>
+              <a:rPr sz="2400" dirty="0"/>
               <a:t>Default action for most signals is to terminate the process</a:t>
             </a:r>
           </a:p>
@@ -12589,7 +12690,7 @@
               </a:defRPr>
             </a:pPr>
             <a:r>
-              <a:rPr sz="2000">
+              <a:rPr sz="2000" dirty="0">
                 <a:latin typeface="Comic Sans MS"/>
                 <a:ea typeface="Comic Sans MS"/>
                 <a:cs typeface="Comic Sans MS"/>
@@ -12609,7 +12710,7 @@
               <a:buSzPct val="60416"/>
             </a:pPr>
             <a:r>
-              <a:rPr sz="2400"/>
+              <a:rPr sz="2400" dirty="0"/>
               <a:t>Unwanted signals can be ignored </a:t>
             </a:r>
           </a:p>
@@ -12630,7 +12731,7 @@
               </a:defRPr>
             </a:pPr>
             <a:r>
-              <a:rPr sz="2000">
+              <a:rPr sz="2000" dirty="0">
                 <a:latin typeface="Comic Sans MS"/>
                 <a:ea typeface="Comic Sans MS"/>
                 <a:cs typeface="Comic Sans MS"/>
@@ -12639,7 +12740,7 @@
               <a:t>Except</a:t>
             </a:r>
             <a:r>
-              <a:rPr sz="2000">
+              <a:rPr sz="2000" dirty="0">
                 <a:solidFill>
                   <a:srgbClr val="333399"/>
                 </a:solidFill>
@@ -12651,7 +12752,7 @@
               <a:t> </a:t>
             </a:r>
             <a:r>
-              <a:rPr sz="2000">
+              <a:rPr sz="2000" dirty="0">
                 <a:latin typeface="Comic Sans MS"/>
                 <a:ea typeface="Comic Sans MS"/>
                 <a:cs typeface="Comic Sans MS"/>
@@ -12671,14 +12772,15 @@
               <a:buSzPct val="60416"/>
             </a:pPr>
             <a:r>
-              <a:rPr sz="2400"/>
+              <a:rPr sz="2400" dirty="0"/>
               <a:t>Here’s an example</a:t>
             </a:r>
             <a:r>
+              <a:rPr dirty="0"/>
               <a:t>.</a:t>
             </a:r>
             <a:r>
-              <a:rPr sz="1800"/>
+              <a:rPr sz="1800" dirty="0"/>
               <a:t> </a:t>
             </a:r>
           </a:p>
@@ -12694,8 +12796,26 @@
               <a:defRPr sz="2900"/>
             </a:pPr>
             <a:r>
-              <a:t>http://www.cs.binghamton.edu/~kartik/examples/signals_ex.c</a:t>
-            </a:r>
+              <a:rPr lang="en-US" dirty="0"/>
+              <a:t>http://</a:t>
+            </a:r>
+            <a:r>
+              <a:rPr lang="en-US" dirty="0" err="1" smtClean="0"/>
+              <a:t>oscourse.github.io</a:t>
+            </a:r>
+            <a:r>
+              <a:rPr lang="en-US" dirty="0" smtClean="0"/>
+              <a:t>/</a:t>
+            </a:r>
+            <a:r>
+              <a:rPr dirty="0" smtClean="0"/>
+              <a:t>examples/</a:t>
+            </a:r>
+            <a:r>
+              <a:rPr dirty="0" err="1" smtClean="0"/>
+              <a:t>signals_ex.c</a:t>
+            </a:r>
+            <a:endParaRPr dirty="0"/>
           </a:p>
         </p:txBody>
       </p:sp>
@@ -12705,6 +12825,13 @@
     <a:masterClrMapping/>
   </p:clrMapOvr>
   <p:transition spd="med"/>
+  <p:timing>
+    <p:tnLst>
+      <p:par>
+        <p:cTn id="1" dur="indefinite" restart="never" nodeType="tmRoot"/>
+      </p:par>
+    </p:tnLst>
+  </p:timing>
 </p:sld>
 </file>
 
@@ -13179,11 +13306,11 @@
               <a:defRPr sz="3040"/>
             </a:pPr>
             <a:r>
-              <a:rPr sz="2280"/>
+              <a:rPr sz="2280" dirty="0"/>
               <a:t>Parent could install a signal handler for </a:t>
             </a:r>
             <a:r>
-              <a:rPr sz="1900"/>
+              <a:rPr sz="1900" dirty="0"/>
               <a:t>SIGCHLD</a:t>
             </a:r>
           </a:p>
@@ -13196,7 +13323,7 @@
               <a:buNone/>
               <a:defRPr sz="3040"/>
             </a:pPr>
-            <a:endParaRPr sz="1900"/>
+            <a:endParaRPr sz="1900" dirty="0"/>
           </a:p>
           <a:p>
             <a:pPr marL="228600" indent="-228600" defTabSz="868680">
@@ -13210,11 +13337,11 @@
               <a:defRPr sz="3040"/>
             </a:pPr>
             <a:r>
-              <a:rPr sz="2280"/>
+              <a:rPr sz="2280" dirty="0"/>
               <a:t>Call </a:t>
             </a:r>
             <a:r>
-              <a:rPr sz="2280" b="1">
+              <a:rPr sz="2280" b="1" dirty="0">
                 <a:solidFill>
                   <a:srgbClr val="0000FF"/>
                 </a:solidFill>
@@ -13226,7 +13353,7 @@
               <a:t>wait(…)/waitpid(…)</a:t>
             </a:r>
             <a:r>
-              <a:rPr sz="2280">
+              <a:rPr sz="2280" dirty="0">
                 <a:solidFill>
                   <a:srgbClr val="333399"/>
                 </a:solidFill>
@@ -13243,7 +13370,7 @@
               <a:buNone/>
               <a:defRPr sz="3040"/>
             </a:pPr>
-            <a:endParaRPr sz="2280">
+            <a:endParaRPr sz="2280" dirty="0">
               <a:solidFill>
                 <a:srgbClr val="333399"/>
               </a:solidFill>
@@ -13267,7 +13394,7 @@
               </a:defRPr>
             </a:pPr>
             <a:r>
-              <a:rPr sz="1900" b="1">
+              <a:rPr sz="1900" b="1" dirty="0">
                 <a:latin typeface="Courier New"/>
                 <a:ea typeface="Courier New"/>
                 <a:cs typeface="Courier New"/>
@@ -13294,7 +13421,7 @@
               </a:defRPr>
             </a:pPr>
             <a:r>
-              <a:rPr sz="1900" b="1">
+              <a:rPr sz="1900" b="1" dirty="0">
                 <a:latin typeface="Courier New"/>
                 <a:ea typeface="Courier New"/>
                 <a:cs typeface="Courier New"/>
@@ -13321,7 +13448,7 @@
               </a:defRPr>
             </a:pPr>
             <a:r>
-              <a:rPr sz="1900" b="1">
+              <a:rPr sz="1900" b="1" dirty="0">
                 <a:latin typeface="Courier New"/>
                 <a:ea typeface="Courier New"/>
                 <a:cs typeface="Courier New"/>
@@ -13348,7 +13475,7 @@
               </a:defRPr>
             </a:pPr>
             <a:r>
-              <a:rPr sz="1900" b="1">
+              <a:rPr sz="1900" b="1" dirty="0">
                 <a:latin typeface="Courier New"/>
                 <a:ea typeface="Courier New"/>
                 <a:cs typeface="Courier New"/>
@@ -13375,7 +13502,7 @@
               </a:defRPr>
             </a:pPr>
             <a:r>
-              <a:rPr sz="1900" b="1">
+              <a:rPr sz="1900" b="1" dirty="0">
                 <a:latin typeface="Courier New"/>
                 <a:ea typeface="Courier New"/>
                 <a:cs typeface="Courier New"/>
@@ -13384,7 +13511,7 @@
               <a:t>		pid =</a:t>
             </a:r>
             <a:r>
-              <a:rPr sz="1900" b="1">
+              <a:rPr sz="1900" b="1" dirty="0">
                 <a:solidFill>
                   <a:srgbClr val="333399"/>
                 </a:solidFill>
@@ -13396,7 +13523,7 @@
               <a:t> </a:t>
             </a:r>
             <a:r>
-              <a:rPr sz="1900" b="1">
+              <a:rPr sz="1900" b="1" dirty="0">
                 <a:solidFill>
                   <a:srgbClr val="0000FF"/>
                 </a:solidFill>
@@ -13408,7 +13535,7 @@
               <a:t>wait</a:t>
             </a:r>
             <a:r>
-              <a:rPr sz="1900" b="1">
+              <a:rPr sz="1900" b="1" dirty="0">
                 <a:latin typeface="Courier New"/>
                 <a:ea typeface="Courier New"/>
                 <a:cs typeface="Courier New"/>
@@ -13434,7 +13561,7 @@
                 <a:sym typeface="Arial"/>
               </a:defRPr>
             </a:pPr>
-            <a:endParaRPr sz="1900" b="1">
+            <a:endParaRPr sz="1900" b="1" dirty="0">
               <a:latin typeface="Courier New"/>
               <a:ea typeface="Courier New"/>
               <a:cs typeface="Courier New"/>
@@ -13459,7 +13586,7 @@
               </a:defRPr>
             </a:pPr>
             <a:r>
-              <a:rPr sz="1900" b="1">
+              <a:rPr sz="1900" b="1" dirty="0">
                 <a:latin typeface="Courier New"/>
                 <a:ea typeface="Courier New"/>
                 <a:cs typeface="Courier New"/>
@@ -13486,7 +13613,7 @@
               </a:defRPr>
             </a:pPr>
             <a:r>
-              <a:rPr sz="1900" b="1">
+              <a:rPr sz="1900" b="1" dirty="0">
                 <a:latin typeface="Courier New"/>
                 <a:ea typeface="Courier New"/>
                 <a:cs typeface="Courier New"/>
@@ -13507,7 +13634,7 @@
               <a:defRPr sz="3040"/>
             </a:pPr>
             <a:r>
-              <a:rPr sz="2280"/>
+              <a:rPr sz="2280" dirty="0"/>
               <a:t>Here’s an example. </a:t>
             </a:r>
           </a:p>
@@ -13523,8 +13650,26 @@
               <a:defRPr sz="2850"/>
             </a:pPr>
             <a:r>
-              <a:t>http://www.cs.binghamton.edu/~kartik/examples/sigchld.c</a:t>
-            </a:r>
+              <a:rPr lang="en-US" dirty="0"/>
+              <a:t>http://</a:t>
+            </a:r>
+            <a:r>
+              <a:rPr lang="en-US" dirty="0" err="1" smtClean="0"/>
+              <a:t>oscourse.github.io</a:t>
+            </a:r>
+            <a:r>
+              <a:rPr lang="en-US" dirty="0" smtClean="0"/>
+              <a:t>/</a:t>
+            </a:r>
+            <a:r>
+              <a:rPr dirty="0" smtClean="0"/>
+              <a:t>examples/</a:t>
+            </a:r>
+            <a:r>
+              <a:rPr dirty="0" err="1" smtClean="0"/>
+              <a:t>sigchld.c</a:t>
+            </a:r>
+            <a:endParaRPr dirty="0"/>
           </a:p>
         </p:txBody>
       </p:sp>
@@ -13534,6 +13679,13 @@
     <a:masterClrMapping/>
   </p:clrMapOvr>
   <p:transition spd="med"/>
+  <p:timing>
+    <p:tnLst>
+      <p:par>
+        <p:cTn id="1" dur="indefinite" restart="never" nodeType="tmRoot"/>
+      </p:par>
+    </p:tnLst>
+  </p:timing>
 </p:sld>
 </file>
 
@@ -14297,6 +14449,13 @@
     <a:masterClrMapping/>
   </p:clrMapOvr>
   <p:transition spd="med"/>
+  <p:timing>
+    <p:tnLst>
+      <p:par>
+        <p:cTn id="1" dur="indefinite" restart="never" nodeType="tmRoot"/>
+      </p:par>
+    </p:tnLst>
+  </p:timing>
 </p:sld>
 </file>
 
@@ -14398,6 +14557,13 @@
     <a:masterClrMapping/>
   </p:clrMapOvr>
   <p:transition spd="med"/>
+  <p:timing>
+    <p:tnLst>
+      <p:par>
+        <p:cTn id="1" dur="indefinite" restart="never" nodeType="tmRoot"/>
+      </p:par>
+    </p:tnLst>
+  </p:timing>
 </p:sld>
 </file>
 
@@ -14889,6 +15055,13 @@
     <a:masterClrMapping/>
   </p:clrMapOvr>
   <p:transition spd="med"/>
+  <p:timing>
+    <p:tnLst>
+      <p:par>
+        <p:cTn id="1" dur="indefinite" restart="never" nodeType="tmRoot"/>
+      </p:par>
+    </p:tnLst>
+  </p:timing>
 </p:sld>
 </file>
 
@@ -15064,6 +15237,13 @@
     <a:masterClrMapping/>
   </p:clrMapOvr>
   <p:transition spd="med"/>
+  <p:timing>
+    <p:tnLst>
+      <p:par>
+        <p:cTn id="1" dur="indefinite" restart="never" nodeType="tmRoot"/>
+      </p:par>
+    </p:tnLst>
+  </p:timing>
 </p:sld>
 </file>
 
@@ -15566,7 +15746,7 @@
               <a:defRPr sz="2500"/>
             </a:pPr>
             <a:r>
-              <a:rPr b="1">
+              <a:rPr b="1" dirty="0">
                 <a:latin typeface="Comic Sans MS"/>
                 <a:ea typeface="Comic Sans MS"/>
                 <a:cs typeface="Comic Sans MS"/>
@@ -15580,8 +15760,22 @@
               <a:defRPr sz="2500"/>
             </a:pPr>
             <a:r>
-              <a:t>http://www.cs.binghamton.edu/~kartik/examples/pipe1.c</a:t>
-            </a:r>
+              <a:rPr dirty="0"/>
+              <a:t>http</a:t>
+            </a:r>
+            <a:r>
+              <a:rPr dirty="0" smtClean="0"/>
+              <a:t>://</a:t>
+            </a:r>
+            <a:r>
+              <a:rPr lang="en-US" dirty="0" smtClean="0"/>
+              <a:t>oscourse.github.io/</a:t>
+            </a:r>
+            <a:r>
+              <a:rPr dirty="0" smtClean="0"/>
+              <a:t>examples/pipe1.c</a:t>
+            </a:r>
+            <a:endParaRPr dirty="0"/>
           </a:p>
         </p:txBody>
       </p:sp>
@@ -15591,6 +15785,13 @@
     <a:masterClrMapping/>
   </p:clrMapOvr>
   <p:transition spd="med"/>
+  <p:timing>
+    <p:tnLst>
+      <p:par>
+        <p:cTn id="1" dur="indefinite" restart="never" nodeType="tmRoot"/>
+      </p:par>
+    </p:tnLst>
+  </p:timing>
 </p:sld>
 </file>
 
@@ -16561,7 +16762,7 @@
               <a:defRPr sz="2500"/>
             </a:pPr>
             <a:r>
-              <a:rPr b="1">
+              <a:rPr b="1" dirty="0">
                 <a:latin typeface="Comic Sans MS"/>
                 <a:ea typeface="Comic Sans MS"/>
                 <a:cs typeface="Comic Sans MS"/>
@@ -16575,8 +16776,22 @@
               <a:defRPr sz="2500"/>
             </a:pPr>
             <a:r>
-              <a:t>http://www.cs.binghamton.edu/~kartik/examples/pipe1.c</a:t>
-            </a:r>
+              <a:rPr lang="en-US" dirty="0"/>
+              <a:t>http://</a:t>
+            </a:r>
+            <a:r>
+              <a:rPr lang="en-US" dirty="0" err="1" smtClean="0"/>
+              <a:t>oscourse.github.io</a:t>
+            </a:r>
+            <a:r>
+              <a:rPr lang="en-US" dirty="0" smtClean="0"/>
+              <a:t>/</a:t>
+            </a:r>
+            <a:r>
+              <a:rPr dirty="0" smtClean="0"/>
+              <a:t>examples/pipe1.c</a:t>
+            </a:r>
+            <a:endParaRPr dirty="0"/>
           </a:p>
         </p:txBody>
       </p:sp>
@@ -16586,6 +16801,13 @@
     <a:masterClrMapping/>
   </p:clrMapOvr>
   <p:transition spd="med"/>
+  <p:timing>
+    <p:tnLst>
+      <p:par>
+        <p:cTn id="1" dur="indefinite" restart="never" nodeType="tmRoot"/>
+      </p:par>
+    </p:tnLst>
+  </p:timing>
 </p:sld>
 </file>
 
@@ -17832,7 +18054,7 @@
               <a:defRPr sz="2500"/>
             </a:pPr>
             <a:r>
-              <a:rPr b="1">
+              <a:rPr b="1" dirty="0">
                 <a:latin typeface="Comic Sans MS"/>
                 <a:ea typeface="Comic Sans MS"/>
                 <a:cs typeface="Comic Sans MS"/>
@@ -17846,8 +18068,22 @@
               <a:defRPr sz="2500"/>
             </a:pPr>
             <a:r>
-              <a:t>http://www.cs.binghamton.edu/~kartik/examples/pipe1.c</a:t>
-            </a:r>
+              <a:rPr lang="en-US" dirty="0"/>
+              <a:t>http://</a:t>
+            </a:r>
+            <a:r>
+              <a:rPr lang="en-US" dirty="0" err="1" smtClean="0"/>
+              <a:t>oscourse.github.io</a:t>
+            </a:r>
+            <a:r>
+              <a:rPr lang="en-US" dirty="0" smtClean="0"/>
+              <a:t>/</a:t>
+            </a:r>
+            <a:r>
+              <a:rPr dirty="0" smtClean="0"/>
+              <a:t>examples/pipe1.c</a:t>
+            </a:r>
+            <a:endParaRPr dirty="0"/>
           </a:p>
         </p:txBody>
       </p:sp>
@@ -17857,6 +18093,13 @@
     <a:masterClrMapping/>
   </p:clrMapOvr>
   <p:transition spd="med"/>
+  <p:timing>
+    <p:tnLst>
+      <p:par>
+        <p:cTn id="1" dur="indefinite" restart="never" nodeType="tmRoot"/>
+      </p:par>
+    </p:tnLst>
+  </p:timing>
 </p:sld>
 </file>
 
